--- a/Figures/Figure_6.pptx
+++ b/Figures/Figure_6.pptx
@@ -104,6 +104,11 @@
       </a:defRPr>
     </a:lvl9pPr>
   </p:defaultTextStyle>
+  <p:extLst>
+    <p:ext uri="{EFAFB233-063F-42B5-8137-9DF3F51BA10A}">
+      <p15:sldGuideLst xmlns:p15="http://schemas.microsoft.com/office/powerpoint/2012/main"/>
+    </p:ext>
+  </p:extLst>
 </p:presentation>
 </file>
 
@@ -238,7 +243,7 @@
           <a:p>
             <a:fld id="{001FE6B3-F005-4880-A860-F48C85C733C8}" type="datetimeFigureOut">
               <a:rPr lang="en-US" smtClean="0"/>
-              <a:t>9/3/2025</a:t>
+              <a:t>9/28/2025</a:t>
             </a:fld>
             <a:endParaRPr lang="en-US"/>
           </a:p>
@@ -408,7 +413,7 @@
           <a:p>
             <a:fld id="{001FE6B3-F005-4880-A860-F48C85C733C8}" type="datetimeFigureOut">
               <a:rPr lang="en-US" smtClean="0"/>
-              <a:t>9/3/2025</a:t>
+              <a:t>9/28/2025</a:t>
             </a:fld>
             <a:endParaRPr lang="en-US"/>
           </a:p>
@@ -588,7 +593,7 @@
           <a:p>
             <a:fld id="{001FE6B3-F005-4880-A860-F48C85C733C8}" type="datetimeFigureOut">
               <a:rPr lang="en-US" smtClean="0"/>
-              <a:t>9/3/2025</a:t>
+              <a:t>9/28/2025</a:t>
             </a:fld>
             <a:endParaRPr lang="en-US"/>
           </a:p>
@@ -758,7 +763,7 @@
           <a:p>
             <a:fld id="{001FE6B3-F005-4880-A860-F48C85C733C8}" type="datetimeFigureOut">
               <a:rPr lang="en-US" smtClean="0"/>
-              <a:t>9/3/2025</a:t>
+              <a:t>9/28/2025</a:t>
             </a:fld>
             <a:endParaRPr lang="en-US"/>
           </a:p>
@@ -1004,7 +1009,7 @@
           <a:p>
             <a:fld id="{001FE6B3-F005-4880-A860-F48C85C733C8}" type="datetimeFigureOut">
               <a:rPr lang="en-US" smtClean="0"/>
-              <a:t>9/3/2025</a:t>
+              <a:t>9/28/2025</a:t>
             </a:fld>
             <a:endParaRPr lang="en-US"/>
           </a:p>
@@ -1236,7 +1241,7 @@
           <a:p>
             <a:fld id="{001FE6B3-F005-4880-A860-F48C85C733C8}" type="datetimeFigureOut">
               <a:rPr lang="en-US" smtClean="0"/>
-              <a:t>9/3/2025</a:t>
+              <a:t>9/28/2025</a:t>
             </a:fld>
             <a:endParaRPr lang="en-US"/>
           </a:p>
@@ -1603,7 +1608,7 @@
           <a:p>
             <a:fld id="{001FE6B3-F005-4880-A860-F48C85C733C8}" type="datetimeFigureOut">
               <a:rPr lang="en-US" smtClean="0"/>
-              <a:t>9/3/2025</a:t>
+              <a:t>9/28/2025</a:t>
             </a:fld>
             <a:endParaRPr lang="en-US"/>
           </a:p>
@@ -1721,7 +1726,7 @@
           <a:p>
             <a:fld id="{001FE6B3-F005-4880-A860-F48C85C733C8}" type="datetimeFigureOut">
               <a:rPr lang="en-US" smtClean="0"/>
-              <a:t>9/3/2025</a:t>
+              <a:t>9/28/2025</a:t>
             </a:fld>
             <a:endParaRPr lang="en-US"/>
           </a:p>
@@ -1816,7 +1821,7 @@
           <a:p>
             <a:fld id="{001FE6B3-F005-4880-A860-F48C85C733C8}" type="datetimeFigureOut">
               <a:rPr lang="en-US" smtClean="0"/>
-              <a:t>9/3/2025</a:t>
+              <a:t>9/28/2025</a:t>
             </a:fld>
             <a:endParaRPr lang="en-US"/>
           </a:p>
@@ -2093,7 +2098,7 @@
           <a:p>
             <a:fld id="{001FE6B3-F005-4880-A860-F48C85C733C8}" type="datetimeFigureOut">
               <a:rPr lang="en-US" smtClean="0"/>
-              <a:t>9/3/2025</a:t>
+              <a:t>9/28/2025</a:t>
             </a:fld>
             <a:endParaRPr lang="en-US"/>
           </a:p>
@@ -2350,7 +2355,7 @@
           <a:p>
             <a:fld id="{001FE6B3-F005-4880-A860-F48C85C733C8}" type="datetimeFigureOut">
               <a:rPr lang="en-US" smtClean="0"/>
-              <a:t>9/3/2025</a:t>
+              <a:t>9/28/2025</a:t>
             </a:fld>
             <a:endParaRPr lang="en-US"/>
           </a:p>
@@ -2563,7 +2568,7 @@
           <a:p>
             <a:fld id="{001FE6B3-F005-4880-A860-F48C85C733C8}" type="datetimeFigureOut">
               <a:rPr lang="en-US" smtClean="0"/>
-              <a:t>9/3/2025</a:t>
+              <a:t>9/28/2025</a:t>
             </a:fld>
             <a:endParaRPr lang="en-US"/>
           </a:p>
@@ -2968,6 +2973,42 @@
           <a:chExt cx="0" cy="0"/>
         </a:xfrm>
       </p:grpSpPr>
+      <p:pic>
+        <p:nvPicPr>
+          <p:cNvPr id="3" name="Picture 2" descr="A group of graphs showing different sizes of houses&#10;&#10;AI-generated content may be incorrect.">
+            <a:extLst>
+              <a:ext uri="{FF2B5EF4-FFF2-40B4-BE49-F238E27FC236}">
+                <a16:creationId xmlns:a16="http://schemas.microsoft.com/office/drawing/2014/main" id="{BBEAD570-2934-5737-EA9E-8AA1090B1D8F}"/>
+              </a:ext>
+            </a:extLst>
+          </p:cNvPr>
+          <p:cNvPicPr>
+            <a:picLocks noChangeAspect="1"/>
+          </p:cNvPicPr>
+          <p:nvPr/>
+        </p:nvPicPr>
+        <p:blipFill>
+          <a:blip r:embed="rId2">
+            <a:extLst>
+              <a:ext uri="{28A0092B-C50C-407E-A947-70E740481C1C}">
+                <a14:useLocalDpi xmlns:a14="http://schemas.microsoft.com/office/drawing/2010/main" val="0"/>
+              </a:ext>
+            </a:extLst>
+          </a:blip>
+          <a:stretch>
+            <a:fillRect/>
+          </a:stretch>
+        </p:blipFill>
+        <p:spPr>
+          <a:xfrm>
+            <a:off x="50559" y="255648"/>
+            <a:ext cx="7543799" cy="6858000"/>
+          </a:xfrm>
+          <a:prstGeom prst="rect">
+            <a:avLst/>
+          </a:prstGeom>
+        </p:spPr>
+      </p:pic>
       <p:sp>
         <p:nvSpPr>
           <p:cNvPr id="7" name="Rectangle 6">
@@ -3080,42 +3121,6 @@
           </a:p>
         </p:txBody>
       </p:sp>
-      <p:pic>
-        <p:nvPicPr>
-          <p:cNvPr id="3" name="Picture 2" descr="A graph of different sizes of houses&#10;&#10;AI-generated content may be incorrect.">
-            <a:extLst>
-              <a:ext uri="{FF2B5EF4-FFF2-40B4-BE49-F238E27FC236}">
-                <a16:creationId xmlns:a16="http://schemas.microsoft.com/office/drawing/2014/main" id="{CB922370-5AE7-21D7-8114-2C2F317E78CE}"/>
-              </a:ext>
-            </a:extLst>
-          </p:cNvPr>
-          <p:cNvPicPr>
-            <a:picLocks noChangeAspect="1"/>
-          </p:cNvPicPr>
-          <p:nvPr/>
-        </p:nvPicPr>
-        <p:blipFill>
-          <a:blip r:embed="rId2">
-            <a:extLst>
-              <a:ext uri="{28A0092B-C50C-407E-A947-70E740481C1C}">
-                <a14:useLocalDpi xmlns:a14="http://schemas.microsoft.com/office/drawing/2010/main" val="0"/>
-              </a:ext>
-            </a:extLst>
-          </a:blip>
-          <a:stretch>
-            <a:fillRect/>
-          </a:stretch>
-        </p:blipFill>
-        <p:spPr>
-          <a:xfrm>
-            <a:off x="57158" y="251619"/>
-            <a:ext cx="7543799" cy="6858000"/>
-          </a:xfrm>
-          <a:prstGeom prst="rect">
-            <a:avLst/>
-          </a:prstGeom>
-        </p:spPr>
-      </p:pic>
       <p:sp>
         <p:nvSpPr>
           <p:cNvPr id="4" name="TextBox 3">
@@ -3328,6 +3333,82 @@
             <a:r>
               <a:rPr lang="en-US" sz="2000" b="1" dirty="0"/>
               <a:t>D</a:t>
+            </a:r>
+          </a:p>
+        </p:txBody>
+      </p:sp>
+      <p:sp>
+        <p:nvSpPr>
+          <p:cNvPr id="13" name="TextBox 12">
+            <a:extLst>
+              <a:ext uri="{FF2B5EF4-FFF2-40B4-BE49-F238E27FC236}">
+                <a16:creationId xmlns:a16="http://schemas.microsoft.com/office/drawing/2014/main" id="{6378DD8D-9659-7735-6DAB-8855AC923F2D}"/>
+              </a:ext>
+            </a:extLst>
+          </p:cNvPr>
+          <p:cNvSpPr txBox="1"/>
+          <p:nvPr/>
+        </p:nvSpPr>
+        <p:spPr>
+          <a:xfrm>
+            <a:off x="2933700" y="3624104"/>
+            <a:ext cx="635110" cy="276999"/>
+          </a:xfrm>
+          <a:prstGeom prst="rect">
+            <a:avLst/>
+          </a:prstGeom>
+          <a:noFill/>
+        </p:spPr>
+        <p:txBody>
+          <a:bodyPr wrap="none" rtlCol="0">
+            <a:spAutoFit/>
+          </a:bodyPr>
+          <a:lstStyle/>
+          <a:p>
+            <a:r>
+              <a:rPr lang="en-US" sz="1200" dirty="0">
+                <a:latin typeface="Arial" panose="020B0604020202020204" pitchFamily="34" charset="0"/>
+                <a:cs typeface="Arial" panose="020B0604020202020204" pitchFamily="34" charset="0"/>
+              </a:rPr>
+              <a:t>Range</a:t>
+            </a:r>
+          </a:p>
+        </p:txBody>
+      </p:sp>
+      <p:sp>
+        <p:nvSpPr>
+          <p:cNvPr id="14" name="TextBox 13">
+            <a:extLst>
+              <a:ext uri="{FF2B5EF4-FFF2-40B4-BE49-F238E27FC236}">
+                <a16:creationId xmlns:a16="http://schemas.microsoft.com/office/drawing/2014/main" id="{633648C8-0EF7-BF05-A2C2-881E89AE5DD5}"/>
+              </a:ext>
+            </a:extLst>
+          </p:cNvPr>
+          <p:cNvSpPr txBox="1"/>
+          <p:nvPr/>
+        </p:nvSpPr>
+        <p:spPr>
+          <a:xfrm>
+            <a:off x="6741714" y="3633629"/>
+            <a:ext cx="635110" cy="276999"/>
+          </a:xfrm>
+          <a:prstGeom prst="rect">
+            <a:avLst/>
+          </a:prstGeom>
+          <a:noFill/>
+        </p:spPr>
+        <p:txBody>
+          <a:bodyPr wrap="none" rtlCol="0">
+            <a:spAutoFit/>
+          </a:bodyPr>
+          <a:lstStyle/>
+          <a:p>
+            <a:r>
+              <a:rPr lang="en-US" sz="1200" dirty="0">
+                <a:latin typeface="Arial" panose="020B0604020202020204" pitchFamily="34" charset="0"/>
+                <a:cs typeface="Arial" panose="020B0604020202020204" pitchFamily="34" charset="0"/>
+              </a:rPr>
+              <a:t>Range</a:t>
             </a:r>
           </a:p>
         </p:txBody>
